--- a/Minh/Finalll/V model.pptx
+++ b/Minh/Finalll/V model.pptx
@@ -104,6 +104,11 @@
       </a:defRPr>
     </a:lvl9pPr>
   </p:defaultTextStyle>
+  <p:extLst>
+    <p:ext uri="{EFAFB233-063F-42B5-8137-9DF3F51BA10A}">
+      <p15:sldGuideLst xmlns:p15="http://schemas.microsoft.com/office/powerpoint/2012/main"/>
+    </p:ext>
+  </p:extLst>
 </p:presentation>
 </file>
 
@@ -254,7 +259,7 @@
           <a:p>
             <a:fld id="{97700E9D-D49F-49AC-B983-7BDA670722CE}" type="datetimeFigureOut">
               <a:rPr lang="en-US" smtClean="0"/>
-              <a:t>5/21/2023</a:t>
+              <a:t>5/24/2023</a:t>
             </a:fld>
             <a:endParaRPr lang="en-US"/>
           </a:p>
@@ -452,7 +457,7 @@
           <a:p>
             <a:fld id="{97700E9D-D49F-49AC-B983-7BDA670722CE}" type="datetimeFigureOut">
               <a:rPr lang="en-US" smtClean="0"/>
-              <a:t>5/21/2023</a:t>
+              <a:t>5/24/2023</a:t>
             </a:fld>
             <a:endParaRPr lang="en-US"/>
           </a:p>
@@ -660,7 +665,7 @@
           <a:p>
             <a:fld id="{97700E9D-D49F-49AC-B983-7BDA670722CE}" type="datetimeFigureOut">
               <a:rPr lang="en-US" smtClean="0"/>
-              <a:t>5/21/2023</a:t>
+              <a:t>5/24/2023</a:t>
             </a:fld>
             <a:endParaRPr lang="en-US"/>
           </a:p>
@@ -858,7 +863,7 @@
           <a:p>
             <a:fld id="{97700E9D-D49F-49AC-B983-7BDA670722CE}" type="datetimeFigureOut">
               <a:rPr lang="en-US" smtClean="0"/>
-              <a:t>5/21/2023</a:t>
+              <a:t>5/24/2023</a:t>
             </a:fld>
             <a:endParaRPr lang="en-US"/>
           </a:p>
@@ -1133,7 +1138,7 @@
           <a:p>
             <a:fld id="{97700E9D-D49F-49AC-B983-7BDA670722CE}" type="datetimeFigureOut">
               <a:rPr lang="en-US" smtClean="0"/>
-              <a:t>5/21/2023</a:t>
+              <a:t>5/24/2023</a:t>
             </a:fld>
             <a:endParaRPr lang="en-US"/>
           </a:p>
@@ -1398,7 +1403,7 @@
           <a:p>
             <a:fld id="{97700E9D-D49F-49AC-B983-7BDA670722CE}" type="datetimeFigureOut">
               <a:rPr lang="en-US" smtClean="0"/>
-              <a:t>5/21/2023</a:t>
+              <a:t>5/24/2023</a:t>
             </a:fld>
             <a:endParaRPr lang="en-US"/>
           </a:p>
@@ -1810,7 +1815,7 @@
           <a:p>
             <a:fld id="{97700E9D-D49F-49AC-B983-7BDA670722CE}" type="datetimeFigureOut">
               <a:rPr lang="en-US" smtClean="0"/>
-              <a:t>5/21/2023</a:t>
+              <a:t>5/24/2023</a:t>
             </a:fld>
             <a:endParaRPr lang="en-US"/>
           </a:p>
@@ -1951,7 +1956,7 @@
           <a:p>
             <a:fld id="{97700E9D-D49F-49AC-B983-7BDA670722CE}" type="datetimeFigureOut">
               <a:rPr lang="en-US" smtClean="0"/>
-              <a:t>5/21/2023</a:t>
+              <a:t>5/24/2023</a:t>
             </a:fld>
             <a:endParaRPr lang="en-US"/>
           </a:p>
@@ -2064,7 +2069,7 @@
           <a:p>
             <a:fld id="{97700E9D-D49F-49AC-B983-7BDA670722CE}" type="datetimeFigureOut">
               <a:rPr lang="en-US" smtClean="0"/>
-              <a:t>5/21/2023</a:t>
+              <a:t>5/24/2023</a:t>
             </a:fld>
             <a:endParaRPr lang="en-US"/>
           </a:p>
@@ -2375,7 +2380,7 @@
           <a:p>
             <a:fld id="{97700E9D-D49F-49AC-B983-7BDA670722CE}" type="datetimeFigureOut">
               <a:rPr lang="en-US" smtClean="0"/>
-              <a:t>5/21/2023</a:t>
+              <a:t>5/24/2023</a:t>
             </a:fld>
             <a:endParaRPr lang="en-US"/>
           </a:p>
@@ -2663,7 +2668,7 @@
           <a:p>
             <a:fld id="{97700E9D-D49F-49AC-B983-7BDA670722CE}" type="datetimeFigureOut">
               <a:rPr lang="en-US" smtClean="0"/>
-              <a:t>5/21/2023</a:t>
+              <a:t>5/24/2023</a:t>
             </a:fld>
             <a:endParaRPr lang="en-US"/>
           </a:p>
@@ -2904,7 +2909,7 @@
           <a:p>
             <a:fld id="{97700E9D-D49F-49AC-B983-7BDA670722CE}" type="datetimeFigureOut">
               <a:rPr lang="en-US" smtClean="0"/>
-              <a:t>5/21/2023</a:t>
+              <a:t>5/24/2023</a:t>
             </a:fld>
             <a:endParaRPr lang="en-US"/>
           </a:p>
@@ -3344,133 +3349,7 @@
             </a:avLst>
           </a:prstGeom>
           <a:solidFill>
-            <a:schemeClr val="accent1">
-              <a:lumMod val="60000"/>
-              <a:lumOff val="40000"/>
-            </a:schemeClr>
-          </a:solidFill>
-          <a:ln>
-            <a:noFill/>
-          </a:ln>
-        </p:spPr>
-        <p:style>
-          <a:lnRef idx="2">
-            <a:schemeClr val="accent1">
-              <a:shade val="50000"/>
-            </a:schemeClr>
-          </a:lnRef>
-          <a:fillRef idx="1">
-            <a:schemeClr val="accent1"/>
-          </a:fillRef>
-          <a:effectRef idx="0">
-            <a:schemeClr val="accent1"/>
-          </a:effectRef>
-          <a:fontRef idx="minor">
-            <a:schemeClr val="lt1"/>
-          </a:fontRef>
-        </p:style>
-        <p:txBody>
-          <a:bodyPr rtlCol="0" anchor="ctr"/>
-          <a:lstStyle/>
-          <a:p>
-            <a:pPr algn="ctr"/>
-            <a:r>
-              <a:rPr lang="en-US" sz="1400" b="1" dirty="0">
-                <a:latin typeface="Arial" panose="020B0604020202020204" pitchFamily="34" charset="0"/>
-                <a:cs typeface="Arial" panose="020B0604020202020204" pitchFamily="34" charset="0"/>
-              </a:rPr>
-              <a:t>Simulation results, conclusion and future plan</a:t>
-            </a:r>
-          </a:p>
-        </p:txBody>
-      </p:sp>
-      <p:sp>
-        <p:nvSpPr>
-          <p:cNvPr id="5" name="Parallelogram 4">
-            <a:extLst>
-              <a:ext uri="{FF2B5EF4-FFF2-40B4-BE49-F238E27FC236}">
-                <a16:creationId xmlns:a16="http://schemas.microsoft.com/office/drawing/2014/main" id="{B437111E-22B2-46BA-FD1F-19BCCC117839}"/>
-              </a:ext>
-            </a:extLst>
-          </p:cNvPr>
-          <p:cNvSpPr/>
-          <p:nvPr/>
-        </p:nvSpPr>
-        <p:spPr>
-          <a:xfrm>
-            <a:off x="7173075" y="2390517"/>
-            <a:ext cx="2345699" cy="952172"/>
-          </a:xfrm>
-          <a:prstGeom prst="parallelogram">
-            <a:avLst>
-              <a:gd name="adj" fmla="val 47102"/>
-            </a:avLst>
-          </a:prstGeom>
-          <a:solidFill>
-            <a:schemeClr val="accent1"/>
-          </a:solidFill>
-          <a:ln>
-            <a:noFill/>
-          </a:ln>
-        </p:spPr>
-        <p:style>
-          <a:lnRef idx="2">
-            <a:schemeClr val="accent1">
-              <a:shade val="50000"/>
-            </a:schemeClr>
-          </a:lnRef>
-          <a:fillRef idx="1">
-            <a:schemeClr val="accent1"/>
-          </a:fillRef>
-          <a:effectRef idx="0">
-            <a:schemeClr val="accent1"/>
-          </a:effectRef>
-          <a:fontRef idx="minor">
-            <a:schemeClr val="lt1"/>
-          </a:fontRef>
-        </p:style>
-        <p:txBody>
-          <a:bodyPr rtlCol="0" anchor="ctr"/>
-          <a:lstStyle/>
-          <a:p>
-            <a:pPr lvl="0" algn="ctr"/>
-            <a:r>
-              <a:rPr lang="en-US" sz="1200" b="1" dirty="0">
-                <a:solidFill>
-                  <a:prstClr val="white"/>
-                </a:solidFill>
-                <a:latin typeface="Arial" panose="020B0604020202020204" pitchFamily="34" charset="0"/>
-                <a:cs typeface="Arial" panose="020B0604020202020204" pitchFamily="34" charset="0"/>
-              </a:rPr>
-              <a:t>System investigation by test cases</a:t>
-            </a:r>
-          </a:p>
-        </p:txBody>
-      </p:sp>
-      <p:sp>
-        <p:nvSpPr>
-          <p:cNvPr id="6" name="Parallelogram 5">
-            <a:extLst>
-              <a:ext uri="{FF2B5EF4-FFF2-40B4-BE49-F238E27FC236}">
-                <a16:creationId xmlns:a16="http://schemas.microsoft.com/office/drawing/2014/main" id="{CDF090AE-DCBA-86C5-0EF8-E4615CDDCB7D}"/>
-              </a:ext>
-            </a:extLst>
-          </p:cNvPr>
-          <p:cNvSpPr/>
-          <p:nvPr/>
-        </p:nvSpPr>
-        <p:spPr>
-          <a:xfrm>
-            <a:off x="6692168" y="3408523"/>
-            <a:ext cx="2345699" cy="952172"/>
-          </a:xfrm>
-          <a:prstGeom prst="parallelogram">
-            <a:avLst>
-              <a:gd name="adj" fmla="val 47102"/>
-            </a:avLst>
-          </a:prstGeom>
-          <a:solidFill>
-            <a:schemeClr val="accent1">
+            <a:schemeClr val="bg1">
               <a:lumMod val="75000"/>
             </a:schemeClr>
           </a:solidFill>
@@ -3498,11 +3377,141 @@
           <a:bodyPr rtlCol="0" anchor="ctr"/>
           <a:lstStyle/>
           <a:p>
+            <a:pPr algn="ctr"/>
+            <a:r>
+              <a:rPr lang="en-US" sz="1400" b="1" dirty="0">
+                <a:solidFill>
+                  <a:schemeClr val="tx1"/>
+                </a:solidFill>
+                <a:latin typeface="Arial" panose="020B0604020202020204" pitchFamily="34" charset="0"/>
+                <a:cs typeface="Arial" panose="020B0604020202020204" pitchFamily="34" charset="0"/>
+              </a:rPr>
+              <a:t>Simulation results, conclusion and future plan</a:t>
+            </a:r>
+          </a:p>
+        </p:txBody>
+      </p:sp>
+      <p:sp>
+        <p:nvSpPr>
+          <p:cNvPr id="5" name="Parallelogram 4">
+            <a:extLst>
+              <a:ext uri="{FF2B5EF4-FFF2-40B4-BE49-F238E27FC236}">
+                <a16:creationId xmlns:a16="http://schemas.microsoft.com/office/drawing/2014/main" id="{B437111E-22B2-46BA-FD1F-19BCCC117839}"/>
+              </a:ext>
+            </a:extLst>
+          </p:cNvPr>
+          <p:cNvSpPr/>
+          <p:nvPr/>
+        </p:nvSpPr>
+        <p:spPr>
+          <a:xfrm>
+            <a:off x="7173075" y="2390517"/>
+            <a:ext cx="2345699" cy="952172"/>
+          </a:xfrm>
+          <a:prstGeom prst="parallelogram">
+            <a:avLst>
+              <a:gd name="adj" fmla="val 47102"/>
+            </a:avLst>
+          </a:prstGeom>
+          <a:solidFill>
+            <a:schemeClr val="bg1">
+              <a:lumMod val="50000"/>
+            </a:schemeClr>
+          </a:solidFill>
+          <a:ln>
+            <a:noFill/>
+          </a:ln>
+        </p:spPr>
+        <p:style>
+          <a:lnRef idx="2">
+            <a:schemeClr val="accent1">
+              <a:shade val="50000"/>
+            </a:schemeClr>
+          </a:lnRef>
+          <a:fillRef idx="1">
+            <a:schemeClr val="accent1"/>
+          </a:fillRef>
+          <a:effectRef idx="0">
+            <a:schemeClr val="accent1"/>
+          </a:effectRef>
+          <a:fontRef idx="minor">
+            <a:schemeClr val="lt1"/>
+          </a:fontRef>
+        </p:style>
+        <p:txBody>
+          <a:bodyPr rtlCol="0" anchor="ctr"/>
+          <a:lstStyle/>
+          <a:p>
             <a:pPr lvl="0" algn="ctr"/>
             <a:r>
-              <a:rPr lang="en-US" sz="1200" b="1" dirty="0">
+              <a:rPr lang="en-US" sz="1400" b="1" dirty="0">
                 <a:solidFill>
-                  <a:prstClr val="white"/>
+                  <a:schemeClr val="bg1"/>
+                </a:solidFill>
+                <a:latin typeface="Arial" panose="020B0604020202020204" pitchFamily="34" charset="0"/>
+                <a:cs typeface="Arial" panose="020B0604020202020204" pitchFamily="34" charset="0"/>
+              </a:rPr>
+              <a:t>System investigation by test cases</a:t>
+            </a:r>
+          </a:p>
+        </p:txBody>
+      </p:sp>
+      <p:sp>
+        <p:nvSpPr>
+          <p:cNvPr id="6" name="Parallelogram 5">
+            <a:extLst>
+              <a:ext uri="{FF2B5EF4-FFF2-40B4-BE49-F238E27FC236}">
+                <a16:creationId xmlns:a16="http://schemas.microsoft.com/office/drawing/2014/main" id="{CDF090AE-DCBA-86C5-0EF8-E4615CDDCB7D}"/>
+              </a:ext>
+            </a:extLst>
+          </p:cNvPr>
+          <p:cNvSpPr/>
+          <p:nvPr/>
+        </p:nvSpPr>
+        <p:spPr>
+          <a:xfrm>
+            <a:off x="6692168" y="3408523"/>
+            <a:ext cx="2345699" cy="952172"/>
+          </a:xfrm>
+          <a:prstGeom prst="parallelogram">
+            <a:avLst>
+              <a:gd name="adj" fmla="val 47102"/>
+            </a:avLst>
+          </a:prstGeom>
+          <a:solidFill>
+            <a:schemeClr val="bg1">
+              <a:lumMod val="50000"/>
+            </a:schemeClr>
+          </a:solidFill>
+          <a:ln>
+            <a:noFill/>
+          </a:ln>
+        </p:spPr>
+        <p:style>
+          <a:lnRef idx="2">
+            <a:schemeClr val="accent1">
+              <a:shade val="50000"/>
+            </a:schemeClr>
+          </a:lnRef>
+          <a:fillRef idx="1">
+            <a:schemeClr val="accent1"/>
+          </a:fillRef>
+          <a:effectRef idx="0">
+            <a:schemeClr val="accent1"/>
+          </a:effectRef>
+          <a:fontRef idx="minor">
+            <a:schemeClr val="lt1"/>
+          </a:fontRef>
+        </p:style>
+        <p:txBody>
+          <a:bodyPr rtlCol="0" anchor="ctr"/>
+          <a:lstStyle/>
+          <a:p>
+            <a:pPr lvl="0" algn="ctr"/>
+            <a:r>
+              <a:rPr lang="en-US" sz="1300" b="1" dirty="0">
+                <a:solidFill>
+                  <a:schemeClr val="bg1"/>
                 </a:solidFill>
                 <a:latin typeface="Arial" panose="020B0604020202020204" pitchFamily="34" charset="0"/>
                 <a:cs typeface="Arial" panose="020B0604020202020204" pitchFamily="34" charset="0"/>
@@ -3566,9 +3575,9 @@
           <a:p>
             <a:pPr lvl="0" algn="ctr"/>
             <a:r>
-              <a:rPr lang="en-US" sz="1200" b="1" dirty="0">
+              <a:rPr lang="en-US" sz="1400" b="1" dirty="0">
                 <a:solidFill>
-                  <a:prstClr val="white"/>
+                  <a:schemeClr val="tx1"/>
                 </a:solidFill>
                 <a:latin typeface="Arial" panose="020B0604020202020204" pitchFamily="34" charset="0"/>
                 <a:cs typeface="Arial" panose="020B0604020202020204" pitchFamily="34" charset="0"/>
@@ -3631,9 +3640,9 @@
           <a:p>
             <a:pPr lvl="0" algn="ctr"/>
             <a:r>
-              <a:rPr lang="en-US" sz="1200" b="1" dirty="0">
+              <a:rPr lang="en-US" sz="1300" b="1" dirty="0">
                 <a:solidFill>
-                  <a:prstClr val="white"/>
+                  <a:schemeClr val="bg1"/>
                 </a:solidFill>
                 <a:latin typeface="Arial" panose="020B0604020202020204" pitchFamily="34" charset="0"/>
                 <a:cs typeface="Arial" panose="020B0604020202020204" pitchFamily="34" charset="0"/>
@@ -3696,9 +3705,9 @@
           <a:p>
             <a:pPr lvl="0" algn="ctr"/>
             <a:r>
-              <a:rPr lang="en-US" sz="1200" b="1" dirty="0">
+              <a:rPr lang="en-US" sz="1400" b="1" dirty="0">
                 <a:solidFill>
-                  <a:prstClr val="white"/>
+                  <a:schemeClr val="bg1"/>
                 </a:solidFill>
                 <a:latin typeface="Arial" panose="020B0604020202020204" pitchFamily="34" charset="0"/>
                 <a:cs typeface="Arial" panose="020B0604020202020204" pitchFamily="34" charset="0"/>
@@ -3781,8 +3790,8 @@
         </p:nvSpPr>
         <p:spPr>
           <a:xfrm>
-            <a:off x="4416220" y="4685135"/>
-            <a:ext cx="3447929" cy="461665"/>
+            <a:off x="4416220" y="4654358"/>
+            <a:ext cx="3447929" cy="523220"/>
           </a:xfrm>
           <a:prstGeom prst="rect">
             <a:avLst/>
@@ -3796,9 +3805,9 @@
           <a:p>
             <a:pPr lvl="0" algn="ctr"/>
             <a:r>
-              <a:rPr lang="en-US" sz="1200" b="1" dirty="0">
+              <a:rPr lang="en-US" sz="1400" b="1" dirty="0">
                 <a:solidFill>
-                  <a:prstClr val="white"/>
+                  <a:srgbClr val="92D050"/>
                 </a:solidFill>
                 <a:latin typeface="Arial" panose="020B0604020202020204" pitchFamily="34" charset="0"/>
                 <a:cs typeface="Arial" panose="020B0604020202020204" pitchFamily="34" charset="0"/>
@@ -4160,7 +4169,10 @@
           <a:p>
             <a:pPr algn="ctr"/>
             <a:r>
-              <a:rPr lang="en-US" dirty="0"/>
+              <a:rPr lang="en-US" dirty="0">
+                <a:latin typeface="Arial" panose="020B0604020202020204" pitchFamily="34" charset="0"/>
+                <a:cs typeface="Arial" panose="020B0604020202020204" pitchFamily="34" charset="0"/>
+              </a:rPr>
               <a:t>Vehicle mass</a:t>
             </a:r>
           </a:p>
@@ -4207,7 +4219,10 @@
           <a:p>
             <a:pPr algn="ctr"/>
             <a:r>
-              <a:rPr lang="en-US" dirty="0"/>
+              <a:rPr lang="en-US" dirty="0">
+                <a:latin typeface="Arial" panose="020B0604020202020204" pitchFamily="34" charset="0"/>
+                <a:cs typeface="Arial" panose="020B0604020202020204" pitchFamily="34" charset="0"/>
+              </a:rPr>
               <a:t>Vehicle speed</a:t>
             </a:r>
           </a:p>
@@ -4254,7 +4269,10 @@
           <a:p>
             <a:pPr algn="ctr"/>
             <a:r>
-              <a:rPr lang="en-US" dirty="0"/>
+              <a:rPr lang="en-US" dirty="0">
+                <a:latin typeface="Arial" panose="020B0604020202020204" pitchFamily="34" charset="0"/>
+                <a:cs typeface="Arial" panose="020B0604020202020204" pitchFamily="34" charset="0"/>
+              </a:rPr>
               <a:t>Vehicle wheel alignment</a:t>
             </a:r>
           </a:p>
@@ -4301,7 +4319,10 @@
           <a:p>
             <a:pPr algn="ctr"/>
             <a:r>
-              <a:rPr lang="en-US" dirty="0"/>
+              <a:rPr lang="en-US" dirty="0">
+                <a:latin typeface="Arial" panose="020B0604020202020204" pitchFamily="34" charset="0"/>
+                <a:cs typeface="Arial" panose="020B0604020202020204" pitchFamily="34" charset="0"/>
+              </a:rPr>
               <a:t>Steering wheel angle</a:t>
             </a:r>
           </a:p>
